--- a/img/slider/slider.pptx
+++ b/img/slider/slider.pptx
@@ -5,12 +5,13 @@
     <p:sldMasterId id="2147483660" r:id="rId1"/>
   </p:sldMasterIdLst>
   <p:notesMasterIdLst>
-    <p:notesMasterId r:id="rId5"/>
+    <p:notesMasterId r:id="rId6"/>
   </p:notesMasterIdLst>
   <p:sldIdLst>
     <p:sldId id="257" r:id="rId2"/>
     <p:sldId id="259" r:id="rId3"/>
-    <p:sldId id="258" r:id="rId4"/>
+    <p:sldId id="260" r:id="rId4"/>
+    <p:sldId id="258" r:id="rId5"/>
   </p:sldIdLst>
   <p:sldSz cx="12192000" cy="6858000"/>
   <p:notesSz cx="6858000" cy="9144000"/>
@@ -210,7 +211,7 @@
           <a:p>
             <a:fld id="{84064794-6893-4232-854D-4D5F5462C4E0}" type="datetimeFigureOut">
               <a:rPr lang="ko-KR" altLang="en-US" smtClean="0"/>
-              <a:t>2021-01-19</a:t>
+              <a:t>2021-03-11</a:t>
             </a:fld>
             <a:endParaRPr lang="ko-KR" altLang="en-US"/>
           </a:p>
@@ -1091,7 +1092,7 @@
                 <a:tabLst/>
                 <a:defRPr/>
               </a:pPr>
-              <a:t>1/19/2021</a:t>
+              <a:t>3/11/2021</a:t>
             </a:fld>
             <a:endParaRPr kumimoji="0" lang="en-US" sz="1200" b="0" i="0" u="none" strike="noStrike" kern="1200" cap="none" spc="0" normalizeH="0" baseline="0" noProof="0">
               <a:ln>
@@ -1810,7 +1811,7 @@
                 <a:tabLst/>
                 <a:defRPr/>
               </a:pPr>
-              <a:t>1/19/2021</a:t>
+              <a:t>3/11/2021</a:t>
             </a:fld>
             <a:endParaRPr kumimoji="0" lang="en-US" sz="1200" b="0" i="0" u="none" strike="noStrike" kern="1200" cap="none" spc="0" normalizeH="0" baseline="0" noProof="0">
               <a:ln>
@@ -2146,7 +2147,7 @@
                 <a:tabLst/>
                 <a:defRPr/>
               </a:pPr>
-              <a:t>1/19/2021</a:t>
+              <a:t>3/11/2021</a:t>
             </a:fld>
             <a:endParaRPr kumimoji="0" lang="en-US" sz="1200" b="0" i="0" u="none" strike="noStrike" kern="1200" cap="none" spc="0" normalizeH="0" baseline="0" noProof="0">
               <a:ln>
@@ -2454,7 +2455,7 @@
                 <a:tabLst/>
                 <a:defRPr/>
               </a:pPr>
-              <a:t>1/19/2021</a:t>
+              <a:t>3/11/2021</a:t>
             </a:fld>
             <a:endParaRPr kumimoji="0" lang="en-US" sz="1200" b="0" i="0" u="none" strike="noStrike" kern="1200" cap="none" spc="0" normalizeH="0" baseline="0" noProof="0">
               <a:ln>
@@ -3256,7 +3257,7 @@
                 <a:tabLst/>
                 <a:defRPr/>
               </a:pPr>
-              <a:t>1/19/2021</a:t>
+              <a:t>3/11/2021</a:t>
             </a:fld>
             <a:endParaRPr kumimoji="0" lang="en-US" sz="1200" b="0" i="0" u="none" strike="noStrike" kern="1200" cap="none" spc="0" normalizeH="0" baseline="0" noProof="0">
               <a:ln>
@@ -3644,7 +3645,7 @@
                 <a:tabLst/>
                 <a:defRPr/>
               </a:pPr>
-              <a:t>1/19/2021</a:t>
+              <a:t>3/11/2021</a:t>
             </a:fld>
             <a:endParaRPr kumimoji="0" lang="en-US" sz="1200" b="0" i="0" u="none" strike="noStrike" kern="1200" cap="none" spc="0" normalizeH="0" baseline="0" noProof="0">
               <a:ln>
@@ -4167,7 +4168,7 @@
                 <a:tabLst/>
                 <a:defRPr/>
               </a:pPr>
-              <a:t>1/19/2021</a:t>
+              <a:t>3/11/2021</a:t>
             </a:fld>
             <a:endParaRPr kumimoji="0" lang="en-US" sz="1200" b="0" i="0" u="none" strike="noStrike" kern="1200" cap="none" spc="0" normalizeH="0" baseline="0" noProof="0">
               <a:ln>
@@ -4441,7 +4442,7 @@
                 <a:tabLst/>
                 <a:defRPr/>
               </a:pPr>
-              <a:t>1/19/2021</a:t>
+              <a:t>3/11/2021</a:t>
             </a:fld>
             <a:endParaRPr kumimoji="0" lang="en-US" sz="1200" b="0" i="0" u="none" strike="noStrike" kern="1200" cap="none" spc="0" normalizeH="0" baseline="0" noProof="0">
               <a:ln>
@@ -4692,7 +4693,7 @@
                 <a:tabLst/>
                 <a:defRPr/>
               </a:pPr>
-              <a:t>1/19/2021</a:t>
+              <a:t>3/11/2021</a:t>
             </a:fld>
             <a:endParaRPr kumimoji="0" lang="en-US" sz="1200" b="0" i="0" u="none" strike="noStrike" kern="1200" cap="none" spc="0" normalizeH="0" baseline="0" noProof="0">
               <a:ln>
@@ -5125,7 +5126,7 @@
                 <a:tabLst/>
                 <a:defRPr/>
               </a:pPr>
-              <a:t>1/19/2021</a:t>
+              <a:t>3/11/2021</a:t>
             </a:fld>
             <a:endParaRPr kumimoji="0" lang="en-US" sz="1200" b="0" i="0" u="none" strike="noStrike" kern="1200" cap="none" spc="0" normalizeH="0" baseline="0" noProof="0">
               <a:ln>
@@ -5534,7 +5535,7 @@
                 <a:tabLst/>
                 <a:defRPr/>
               </a:pPr>
-              <a:t>1/19/2021</a:t>
+              <a:t>3/11/2021</a:t>
             </a:fld>
             <a:endParaRPr kumimoji="0" lang="en-US" sz="1200" b="0" i="0" u="none" strike="noStrike" kern="1200" cap="none" spc="0" normalizeH="0" baseline="0" noProof="0">
               <a:ln>
@@ -5903,7 +5904,7 @@
                 <a:tabLst/>
                 <a:defRPr/>
               </a:pPr>
-              <a:t>1/19/2021</a:t>
+              <a:t>3/11/2021</a:t>
             </a:fld>
             <a:endParaRPr kumimoji="0" lang="en-US" sz="1200" b="0" i="0" u="none" strike="noStrike" kern="1200" cap="none" spc="0" normalizeH="0" baseline="0" noProof="0">
               <a:ln>
@@ -6421,7 +6422,7 @@
         </p:nvSpPr>
         <p:spPr>
           <a:xfrm>
-            <a:off x="2948476" y="1194474"/>
+            <a:off x="2948476" y="1707658"/>
             <a:ext cx="1839499" cy="646331"/>
           </a:xfrm>
           <a:prstGeom prst="rect">
@@ -6518,7 +6519,7 @@
         </p:nvSpPr>
         <p:spPr>
           <a:xfrm>
-            <a:off x="6593159" y="1194474"/>
+            <a:off x="6593159" y="1707658"/>
             <a:ext cx="1551906" cy="646331"/>
           </a:xfrm>
           <a:prstGeom prst="rect">
@@ -6651,7 +6652,7 @@
         </p:nvSpPr>
         <p:spPr>
           <a:xfrm>
-            <a:off x="9411848" y="1194474"/>
+            <a:off x="9411848" y="1707658"/>
             <a:ext cx="2089898" cy="646331"/>
           </a:xfrm>
           <a:prstGeom prst="rect">
@@ -6751,7 +6752,7 @@
         </p:nvSpPr>
         <p:spPr>
           <a:xfrm>
-            <a:off x="8922841" y="4403558"/>
+            <a:off x="8922841" y="4916742"/>
             <a:ext cx="1704520" cy="830997"/>
           </a:xfrm>
           <a:prstGeom prst="rect">
@@ -6896,7 +6897,7 @@
         </p:blipFill>
         <p:spPr>
           <a:xfrm>
-            <a:off x="10250399" y="2051466"/>
+            <a:off x="10250399" y="2564650"/>
             <a:ext cx="496516" cy="496516"/>
           </a:xfrm>
           <a:prstGeom prst="rect">
@@ -6926,7 +6927,7 @@
         </p:blipFill>
         <p:spPr>
           <a:xfrm>
-            <a:off x="4384104" y="2065524"/>
+            <a:off x="4384104" y="2578708"/>
             <a:ext cx="525003" cy="485976"/>
           </a:xfrm>
           <a:prstGeom prst="rect">
@@ -6956,7 +6957,7 @@
         </p:blipFill>
         <p:spPr>
           <a:xfrm>
-            <a:off x="4381978" y="2598926"/>
+            <a:off x="4381978" y="3112110"/>
             <a:ext cx="527129" cy="503509"/>
           </a:xfrm>
           <a:prstGeom prst="rect">
@@ -6975,7 +6976,7 @@
         </p:nvCxnSpPr>
         <p:spPr>
           <a:xfrm>
-            <a:off x="4089964" y="2292023"/>
+            <a:off x="4089964" y="2805207"/>
             <a:ext cx="294140" cy="16489"/>
           </a:xfrm>
           <a:prstGeom prst="curvedConnector3">
@@ -7015,7 +7016,7 @@
         </p:nvCxnSpPr>
         <p:spPr>
           <a:xfrm>
-            <a:off x="4909107" y="2850681"/>
+            <a:off x="4909107" y="3363865"/>
             <a:ext cx="625976" cy="614704"/>
           </a:xfrm>
           <a:prstGeom prst="curvedConnector3">
@@ -7055,7 +7056,7 @@
         </p:nvCxnSpPr>
         <p:spPr>
           <a:xfrm>
-            <a:off x="8246395" y="2219778"/>
+            <a:off x="8246395" y="2732962"/>
             <a:ext cx="744768" cy="1245607"/>
           </a:xfrm>
           <a:prstGeom prst="curvedConnector3">
@@ -7116,7 +7117,7 @@
         </p:blipFill>
         <p:spPr>
           <a:xfrm>
-            <a:off x="3551464" y="3885917"/>
+            <a:off x="3551464" y="4399101"/>
             <a:ext cx="443475" cy="443475"/>
           </a:xfrm>
           <a:prstGeom prst="rect">
@@ -7137,7 +7138,7 @@
         </p:nvCxnSpPr>
         <p:spPr>
           <a:xfrm flipV="1">
-            <a:off x="2181985" y="2891659"/>
+            <a:off x="2181985" y="3404843"/>
             <a:ext cx="533734" cy="573726"/>
           </a:xfrm>
           <a:prstGeom prst="curvedConnector2">
@@ -7177,7 +7178,7 @@
         </p:nvCxnSpPr>
         <p:spPr>
           <a:xfrm flipV="1">
-            <a:off x="2181985" y="2477231"/>
+            <a:off x="2181985" y="2990415"/>
             <a:ext cx="949680" cy="988154"/>
           </a:xfrm>
           <a:prstGeom prst="curvedConnector3">
@@ -7219,7 +7220,7 @@
         </p:nvCxnSpPr>
         <p:spPr>
           <a:xfrm flipV="1">
-            <a:off x="2181985" y="2993764"/>
+            <a:off x="2181985" y="3506948"/>
             <a:ext cx="1017028" cy="471621"/>
           </a:xfrm>
           <a:prstGeom prst="curvedConnector3">
@@ -7261,7 +7262,7 @@
         </p:nvCxnSpPr>
         <p:spPr>
           <a:xfrm flipV="1">
-            <a:off x="2181985" y="3452449"/>
+            <a:off x="2181985" y="3965633"/>
             <a:ext cx="637516" cy="12936"/>
           </a:xfrm>
           <a:prstGeom prst="curvedConnector3">
@@ -7303,7 +7304,7 @@
         </p:nvCxnSpPr>
         <p:spPr>
           <a:xfrm>
-            <a:off x="2181985" y="3465385"/>
+            <a:off x="2181985" y="3978569"/>
             <a:ext cx="627671" cy="538631"/>
           </a:xfrm>
           <a:prstGeom prst="curvedConnector3">
@@ -7356,7 +7357,7 @@
         </p:blipFill>
         <p:spPr bwMode="auto">
           <a:xfrm>
-            <a:off x="1626319" y="3188443"/>
+            <a:off x="1626319" y="3701627"/>
             <a:ext cx="555666" cy="553883"/>
           </a:xfrm>
           <a:prstGeom prst="rect">
@@ -7388,7 +7389,7 @@
         </p:nvCxnSpPr>
         <p:spPr>
           <a:xfrm>
-            <a:off x="2181985" y="3465385"/>
+            <a:off x="2181985" y="3978569"/>
             <a:ext cx="964322" cy="982390"/>
           </a:xfrm>
           <a:prstGeom prst="curvedConnector3">
@@ -7430,7 +7431,7 @@
         </p:nvCxnSpPr>
         <p:spPr>
           <a:xfrm>
-            <a:off x="2181985" y="3465385"/>
+            <a:off x="2181985" y="3978569"/>
             <a:ext cx="1369479" cy="642270"/>
           </a:xfrm>
           <a:prstGeom prst="curvedConnector3">
@@ -7472,7 +7473,7 @@
         </p:nvCxnSpPr>
         <p:spPr>
           <a:xfrm>
-            <a:off x="2181985" y="3465385"/>
+            <a:off x="2181985" y="3978569"/>
             <a:ext cx="1141534" cy="123593"/>
           </a:xfrm>
           <a:prstGeom prst="curvedConnector3">
@@ -7514,7 +7515,7 @@
         </p:nvCxnSpPr>
         <p:spPr>
           <a:xfrm>
-            <a:off x="2181985" y="3465385"/>
+            <a:off x="2181985" y="3978569"/>
             <a:ext cx="1609808" cy="1042296"/>
           </a:xfrm>
           <a:prstGeom prst="curvedConnector3">
@@ -7556,7 +7557,7 @@
         </p:nvCxnSpPr>
         <p:spPr>
           <a:xfrm>
-            <a:off x="2181985" y="3465385"/>
+            <a:off x="2181985" y="3978569"/>
             <a:ext cx="1729635" cy="310227"/>
           </a:xfrm>
           <a:prstGeom prst="curvedConnector3">
@@ -7598,7 +7599,7 @@
         </p:nvCxnSpPr>
         <p:spPr>
           <a:xfrm flipV="1">
-            <a:off x="2181985" y="3335478"/>
+            <a:off x="2181985" y="3848662"/>
             <a:ext cx="1598977" cy="129907"/>
           </a:xfrm>
           <a:prstGeom prst="curvedConnector3">
@@ -7640,7 +7641,7 @@
         </p:nvCxnSpPr>
         <p:spPr>
           <a:xfrm flipV="1">
-            <a:off x="2181985" y="2847586"/>
+            <a:off x="2181985" y="3360770"/>
             <a:ext cx="1582766" cy="617799"/>
           </a:xfrm>
           <a:prstGeom prst="curvedConnector3">
@@ -7682,7 +7683,7 @@
         </p:nvCxnSpPr>
         <p:spPr>
           <a:xfrm flipV="1">
-            <a:off x="2181985" y="2292023"/>
+            <a:off x="2181985" y="2805207"/>
             <a:ext cx="1464504" cy="1173362"/>
           </a:xfrm>
           <a:prstGeom prst="curvedConnector3">
@@ -7745,7 +7746,7 @@
         </p:blipFill>
         <p:spPr>
           <a:xfrm>
-            <a:off x="2809656" y="3782278"/>
+            <a:off x="2809656" y="4295462"/>
             <a:ext cx="443475" cy="443475"/>
           </a:xfrm>
           <a:prstGeom prst="rect">
@@ -7788,7 +7789,7 @@
         </p:blipFill>
         <p:spPr>
           <a:xfrm>
-            <a:off x="2819501" y="3230711"/>
+            <a:off x="2819501" y="3743895"/>
             <a:ext cx="443475" cy="443475"/>
           </a:xfrm>
           <a:prstGeom prst="rect">
@@ -7831,7 +7832,7 @@
         </p:blipFill>
         <p:spPr>
           <a:xfrm>
-            <a:off x="2696742" y="2657155"/>
+            <a:off x="2696742" y="3170339"/>
             <a:ext cx="443475" cy="443475"/>
           </a:xfrm>
           <a:prstGeom prst="rect">
@@ -7874,7 +7875,7 @@
         </p:blipFill>
         <p:spPr>
           <a:xfrm>
-            <a:off x="3199013" y="2772026"/>
+            <a:off x="3199013" y="3285210"/>
             <a:ext cx="443475" cy="443475"/>
           </a:xfrm>
           <a:prstGeom prst="rect">
@@ -7917,7 +7918,7 @@
         </p:blipFill>
         <p:spPr>
           <a:xfrm>
-            <a:off x="3131665" y="2255493"/>
+            <a:off x="3131665" y="2768677"/>
             <a:ext cx="443475" cy="443475"/>
           </a:xfrm>
           <a:prstGeom prst="rect">
@@ -7960,7 +7961,7 @@
         </p:blipFill>
         <p:spPr>
           <a:xfrm>
-            <a:off x="3646489" y="2070285"/>
+            <a:off x="3646489" y="2583469"/>
             <a:ext cx="443475" cy="443475"/>
           </a:xfrm>
           <a:prstGeom prst="rect">
@@ -8003,7 +8004,7 @@
         </p:blipFill>
         <p:spPr>
           <a:xfrm>
-            <a:off x="3764751" y="2625848"/>
+            <a:off x="3764751" y="3139032"/>
             <a:ext cx="443475" cy="443475"/>
           </a:xfrm>
           <a:prstGeom prst="rect">
@@ -8046,7 +8047,7 @@
         </p:blipFill>
         <p:spPr>
           <a:xfrm>
-            <a:off x="3780962" y="3113740"/>
+            <a:off x="3780962" y="3626924"/>
             <a:ext cx="443475" cy="443475"/>
           </a:xfrm>
           <a:prstGeom prst="rect">
@@ -8089,7 +8090,7 @@
         </p:blipFill>
         <p:spPr>
           <a:xfrm>
-            <a:off x="3911620" y="3553874"/>
+            <a:off x="3911620" y="4067058"/>
             <a:ext cx="443475" cy="443475"/>
           </a:xfrm>
           <a:prstGeom prst="rect">
@@ -8132,7 +8133,7 @@
         </p:blipFill>
         <p:spPr>
           <a:xfrm>
-            <a:off x="3791793" y="4285943"/>
+            <a:off x="3791793" y="4799127"/>
             <a:ext cx="443475" cy="443475"/>
           </a:xfrm>
           <a:prstGeom prst="rect">
@@ -8175,7 +8176,7 @@
         </p:blipFill>
         <p:spPr>
           <a:xfrm>
-            <a:off x="3146307" y="4226037"/>
+            <a:off x="3146307" y="4739221"/>
             <a:ext cx="443475" cy="443475"/>
           </a:xfrm>
           <a:prstGeom prst="rect">
@@ -8197,7 +8198,7 @@
         </p:nvCxnSpPr>
         <p:spPr>
           <a:xfrm>
-            <a:off x="4208226" y="2847586"/>
+            <a:off x="4208226" y="3360770"/>
             <a:ext cx="173752" cy="3095"/>
           </a:xfrm>
           <a:prstGeom prst="curvedConnector3">
@@ -8237,7 +8238,7 @@
         </p:nvCxnSpPr>
         <p:spPr>
           <a:xfrm>
-            <a:off x="4909107" y="2308512"/>
+            <a:off x="4909107" y="2821696"/>
             <a:ext cx="625976" cy="1156873"/>
           </a:xfrm>
           <a:prstGeom prst="curvedConnector3">
@@ -8274,7 +8275,7 @@
         </p:nvGrpSpPr>
         <p:grpSpPr>
           <a:xfrm>
-            <a:off x="6599900" y="2490637"/>
+            <a:off x="6599900" y="3003821"/>
             <a:ext cx="505619" cy="535578"/>
             <a:chOff x="5875636" y="2118364"/>
             <a:chExt cx="505619" cy="535578"/>
@@ -8388,7 +8389,7 @@
         </p:nvGrpSpPr>
         <p:grpSpPr>
           <a:xfrm>
-            <a:off x="6571981" y="1917230"/>
+            <a:off x="6571981" y="2430414"/>
             <a:ext cx="536947" cy="556110"/>
             <a:chOff x="5847717" y="1544957"/>
             <a:chExt cx="536947" cy="556110"/>
@@ -8502,7 +8503,7 @@
         </p:nvSpPr>
         <p:spPr>
           <a:xfrm>
-            <a:off x="1452605" y="2749539"/>
+            <a:off x="1452605" y="3262723"/>
             <a:ext cx="879478" cy="369332"/>
           </a:xfrm>
           <a:prstGeom prst="rect">
@@ -8578,7 +8579,7 @@
         </p:nvSpPr>
         <p:spPr>
           <a:xfrm>
-            <a:off x="5282999" y="2503318"/>
+            <a:off x="5282999" y="3016502"/>
             <a:ext cx="1089290" cy="646331"/>
           </a:xfrm>
           <a:prstGeom prst="rect">
@@ -8687,7 +8688,7 @@
         </p:nvSpPr>
         <p:spPr>
           <a:xfrm>
-            <a:off x="1908511" y="4639590"/>
+            <a:off x="1908511" y="5152774"/>
             <a:ext cx="1174618" cy="584775"/>
           </a:xfrm>
           <a:prstGeom prst="rect">
@@ -8803,7 +8804,7 @@
         </p:blipFill>
         <p:spPr>
           <a:xfrm rot="5400000">
-            <a:off x="686002" y="2768628"/>
+            <a:off x="686002" y="3281812"/>
             <a:ext cx="443784" cy="469963"/>
           </a:xfrm>
           <a:prstGeom prst="rect">
@@ -8819,7 +8820,7 @@
         </p:nvSpPr>
         <p:spPr>
           <a:xfrm>
-            <a:off x="589056" y="4184514"/>
+            <a:off x="589056" y="4697698"/>
             <a:ext cx="639776" cy="338554"/>
           </a:xfrm>
           <a:prstGeom prst="rect">
@@ -8881,7 +8882,7 @@
         </p:nvCxnSpPr>
         <p:spPr>
           <a:xfrm>
-            <a:off x="1142876" y="3003610"/>
+            <a:off x="1142876" y="3516794"/>
             <a:ext cx="483443" cy="461775"/>
           </a:xfrm>
           <a:prstGeom prst="curvedConnector3">
@@ -8923,7 +8924,7 @@
         </p:nvCxnSpPr>
         <p:spPr>
           <a:xfrm>
-            <a:off x="1142876" y="3462833"/>
+            <a:off x="1142876" y="3976017"/>
             <a:ext cx="483443" cy="2552"/>
           </a:xfrm>
           <a:prstGeom prst="curvedConnector3">
@@ -8965,7 +8966,7 @@
         </p:nvCxnSpPr>
         <p:spPr>
           <a:xfrm flipV="1">
-            <a:off x="1142876" y="3465385"/>
+            <a:off x="1142876" y="3978569"/>
             <a:ext cx="483443" cy="459360"/>
           </a:xfrm>
           <a:prstGeom prst="curvedConnector3">
@@ -9007,7 +9008,7 @@
         </p:nvCxnSpPr>
         <p:spPr>
           <a:xfrm rot="10800000">
-            <a:off x="1904153" y="3742326"/>
+            <a:off x="1904153" y="4255510"/>
             <a:ext cx="3541569" cy="1467130"/>
           </a:xfrm>
           <a:prstGeom prst="bentConnector2">
@@ -9063,7 +9064,7 @@
         </p:blipFill>
         <p:spPr>
           <a:xfrm>
-            <a:off x="7086301" y="2527936"/>
+            <a:off x="7086301" y="3041120"/>
             <a:ext cx="565623" cy="507001"/>
           </a:xfrm>
           <a:prstGeom prst="rect">
@@ -9098,7 +9099,7 @@
         </p:blipFill>
         <p:spPr>
           <a:xfrm>
-            <a:off x="7136366" y="1975983"/>
+            <a:off x="7136366" y="2489167"/>
             <a:ext cx="506451" cy="480584"/>
           </a:xfrm>
           <a:prstGeom prst="rect">
@@ -9127,7 +9128,7 @@
         </p:blipFill>
         <p:spPr>
           <a:xfrm>
-            <a:off x="7722804" y="2515035"/>
+            <a:off x="7722804" y="3028219"/>
             <a:ext cx="523591" cy="511366"/>
           </a:xfrm>
           <a:prstGeom prst="rect">
@@ -9156,7 +9157,7 @@
         </p:blipFill>
         <p:spPr>
           <a:xfrm>
-            <a:off x="7670255" y="1947711"/>
+            <a:off x="7670255" y="2460895"/>
             <a:ext cx="576140" cy="544133"/>
           </a:xfrm>
           <a:prstGeom prst="rect">
@@ -9196,7 +9197,7 @@
         </p:blipFill>
         <p:spPr>
           <a:xfrm>
-            <a:off x="3323519" y="3367240"/>
+            <a:off x="3323519" y="3880424"/>
             <a:ext cx="443475" cy="443475"/>
           </a:xfrm>
           <a:prstGeom prst="rect">
@@ -9218,7 +9219,7 @@
         </p:nvCxnSpPr>
         <p:spPr>
           <a:xfrm flipH="1">
-            <a:off x="4787975" y="1517640"/>
+            <a:off x="4787975" y="2030824"/>
             <a:ext cx="1805184" cy="0"/>
           </a:xfrm>
           <a:prstGeom prst="line">
@@ -9259,7 +9260,7 @@
         </p:nvCxnSpPr>
         <p:spPr>
           <a:xfrm flipH="1">
-            <a:off x="8145065" y="1517640"/>
+            <a:off x="8145065" y="2030824"/>
             <a:ext cx="1266783" cy="0"/>
           </a:xfrm>
           <a:prstGeom prst="line">
@@ -9304,7 +9305,7 @@
         </p:blipFill>
         <p:spPr>
           <a:xfrm rot="5400000">
-            <a:off x="680137" y="3689763"/>
+            <a:off x="680137" y="4202947"/>
             <a:ext cx="455514" cy="469963"/>
           </a:xfrm>
           <a:prstGeom prst="rect">
@@ -9327,7 +9328,7 @@
         </p:blipFill>
         <p:spPr>
           <a:xfrm rot="5400000">
-            <a:off x="684851" y="3227851"/>
+            <a:off x="684851" y="3741035"/>
             <a:ext cx="446086" cy="469963"/>
           </a:xfrm>
           <a:prstGeom prst="rect">
@@ -9357,7 +9358,7 @@
         </p:blipFill>
         <p:spPr>
           <a:xfrm>
-            <a:off x="10250400" y="2594678"/>
+            <a:off x="10250400" y="3107862"/>
             <a:ext cx="518236" cy="518236"/>
           </a:xfrm>
           <a:prstGeom prst="rect">
@@ -9376,7 +9377,7 @@
         </p:nvCxnSpPr>
         <p:spPr>
           <a:xfrm>
-            <a:off x="8246395" y="2770718"/>
+            <a:off x="8246395" y="3283902"/>
             <a:ext cx="744768" cy="694667"/>
           </a:xfrm>
           <a:prstGeom prst="curvedConnector3">
@@ -9426,7 +9427,7 @@
         </p:blipFill>
         <p:spPr bwMode="auto">
           <a:xfrm>
-            <a:off x="10738428" y="2047256"/>
+            <a:off x="10738428" y="2560440"/>
             <a:ext cx="430465" cy="411086"/>
           </a:xfrm>
           <a:prstGeom prst="rect">
@@ -9452,7 +9453,7 @@
         </p:nvSpPr>
         <p:spPr>
           <a:xfrm>
-            <a:off x="10230014" y="2021724"/>
+            <a:off x="10230014" y="2534908"/>
             <a:ext cx="531479" cy="537969"/>
           </a:xfrm>
           <a:prstGeom prst="ellipse">
@@ -9541,7 +9542,7 @@
         </p:blipFill>
         <p:spPr bwMode="auto">
           <a:xfrm>
-            <a:off x="5535083" y="3176672"/>
+            <a:off x="5535083" y="3689856"/>
             <a:ext cx="579283" cy="577425"/>
           </a:xfrm>
           <a:prstGeom prst="rect">
@@ -9582,7 +9583,7 @@
         </p:blipFill>
         <p:spPr bwMode="auto">
           <a:xfrm>
-            <a:off x="5445721" y="4830453"/>
+            <a:off x="5445721" y="5343637"/>
             <a:ext cx="758006" cy="758006"/>
           </a:xfrm>
           <a:prstGeom prst="rect">
@@ -9611,7 +9612,7 @@
         </p:nvCxnSpPr>
         <p:spPr>
           <a:xfrm rot="5400000" flipH="1" flipV="1">
-            <a:off x="5286546" y="4292275"/>
+            <a:off x="5286546" y="4805459"/>
             <a:ext cx="1076356" cy="1"/>
           </a:xfrm>
           <a:prstGeom prst="bentConnector3">
@@ -9653,7 +9654,7 @@
         </p:nvCxnSpPr>
         <p:spPr>
           <a:xfrm flipV="1">
-            <a:off x="6203727" y="3754097"/>
+            <a:off x="6203727" y="4267281"/>
             <a:ext cx="3077078" cy="1455359"/>
           </a:xfrm>
           <a:prstGeom prst="bentConnector2">
@@ -9693,7 +9694,7 @@
         </p:nvCxnSpPr>
         <p:spPr>
           <a:xfrm rot="10800000" flipV="1">
-            <a:off x="6114367" y="2195285"/>
+            <a:off x="6114367" y="2708469"/>
             <a:ext cx="457615" cy="1270100"/>
           </a:xfrm>
           <a:prstGeom prst="curvedConnector3">
@@ -9735,7 +9736,7 @@
         </p:nvCxnSpPr>
         <p:spPr>
           <a:xfrm rot="10800000" flipV="1">
-            <a:off x="6114366" y="2758425"/>
+            <a:off x="6114366" y="3271609"/>
             <a:ext cx="485534" cy="706959"/>
           </a:xfrm>
           <a:prstGeom prst="curvedConnector3">
@@ -9788,7 +9789,7 @@
         </p:blipFill>
         <p:spPr bwMode="auto">
           <a:xfrm>
-            <a:off x="8991163" y="3176672"/>
+            <a:off x="8991163" y="3689856"/>
             <a:ext cx="579283" cy="577425"/>
           </a:xfrm>
           <a:prstGeom prst="rect">
@@ -9814,7 +9815,7 @@
         </p:nvSpPr>
         <p:spPr>
           <a:xfrm>
-            <a:off x="8628915" y="2749539"/>
+            <a:off x="8628915" y="3262723"/>
             <a:ext cx="1295618" cy="369332"/>
           </a:xfrm>
           <a:prstGeom prst="rect">
@@ -9890,7 +9891,7 @@
         </p:nvCxnSpPr>
         <p:spPr>
           <a:xfrm rot="10800000" flipV="1">
-            <a:off x="9570446" y="2290709"/>
+            <a:off x="9570446" y="2803893"/>
             <a:ext cx="659568" cy="1174676"/>
           </a:xfrm>
           <a:prstGeom prst="curvedConnector3">
@@ -9932,7 +9933,7 @@
         </p:nvCxnSpPr>
         <p:spPr>
           <a:xfrm rot="10800000" flipV="1">
-            <a:off x="9570446" y="2853795"/>
+            <a:off x="9570446" y="3366979"/>
             <a:ext cx="679954" cy="611589"/>
           </a:xfrm>
           <a:prstGeom prst="curvedConnector3">
@@ -9971,7 +9972,7 @@
         </p:nvSpPr>
         <p:spPr>
           <a:xfrm>
-            <a:off x="5794707" y="3910460"/>
+            <a:off x="5794707" y="4423644"/>
             <a:ext cx="1680979" cy="1077218"/>
           </a:xfrm>
           <a:prstGeom prst="rect">
@@ -10044,7 +10045,7 @@
         </p:nvSpPr>
         <p:spPr>
           <a:xfrm rot="16200000">
-            <a:off x="4369641" y="3099092"/>
+            <a:off x="4369641" y="3612276"/>
             <a:ext cx="566699" cy="461665"/>
           </a:xfrm>
           <a:prstGeom prst="rect">
@@ -10103,7 +10104,7 @@
         </p:nvSpPr>
         <p:spPr>
           <a:xfrm rot="16200000">
-            <a:off x="7126386" y="3099092"/>
+            <a:off x="7126386" y="3612276"/>
             <a:ext cx="566699" cy="461665"/>
           </a:xfrm>
           <a:prstGeom prst="rect">
@@ -10162,7 +10163,7 @@
         </p:nvSpPr>
         <p:spPr>
           <a:xfrm rot="16200000">
-            <a:off x="10212404" y="3099092"/>
+            <a:off x="10212404" y="3612276"/>
             <a:ext cx="566699" cy="461665"/>
           </a:xfrm>
           <a:prstGeom prst="rect">
@@ -10221,8 +10222,8 @@
         </p:nvSpPr>
         <p:spPr>
           <a:xfrm>
-            <a:off x="457200" y="1002649"/>
-            <a:ext cx="11277600" cy="4654550"/>
+            <a:off x="457200" y="923730"/>
+            <a:ext cx="11277600" cy="5355771"/>
           </a:xfrm>
           <a:prstGeom prst="rect">
             <a:avLst/>
@@ -10287,6 +10288,37 @@
               <a:ea typeface="+mn-ea"/>
               <a:cs typeface="+mn-cs"/>
             </a:endParaRPr>
+          </a:p>
+        </p:txBody>
+      </p:sp>
+      <p:sp>
+        <p:nvSpPr>
+          <p:cNvPr id="2" name="TextBox 1"/>
+          <p:cNvSpPr txBox="1"/>
+          <p:nvPr/>
+        </p:nvSpPr>
+        <p:spPr>
+          <a:xfrm>
+            <a:off x="3674514" y="1073015"/>
+            <a:ext cx="4844336" cy="430887"/>
+          </a:xfrm>
+          <a:prstGeom prst="rect">
+            <a:avLst/>
+          </a:prstGeom>
+          <a:noFill/>
+        </p:spPr>
+        <p:txBody>
+          <a:bodyPr wrap="square" rtlCol="0">
+            <a:spAutoFit/>
+          </a:bodyPr>
+          <a:lstStyle/>
+          <a:p>
+            <a:pPr algn="ctr"/>
+            <a:r>
+              <a:rPr lang="en-US" altLang="ko-KR" sz="2200" b="1" dirty="0" smtClean="0"/>
+              <a:t>[ AI-BASED GENERATIVE DESIGN ]</a:t>
+            </a:r>
+            <a:endParaRPr lang="ko-KR" altLang="en-US" sz="2200" b="1" dirty="0"/>
           </a:p>
         </p:txBody>
       </p:sp>
@@ -10576,7 +10608,7 @@
         </p:blipFill>
         <p:spPr>
           <a:xfrm>
-            <a:off x="4428709" y="2931499"/>
+            <a:off x="3715601" y="2931499"/>
             <a:ext cx="800718" cy="992194"/>
           </a:xfrm>
           <a:prstGeom prst="rect">
@@ -10606,7 +10638,7 @@
         </p:blipFill>
         <p:spPr>
           <a:xfrm>
-            <a:off x="2104330" y="3020709"/>
+            <a:off x="1747904" y="3020709"/>
             <a:ext cx="813774" cy="813774"/>
           </a:xfrm>
           <a:prstGeom prst="rect">
@@ -10636,7 +10668,7 @@
         </p:blipFill>
         <p:spPr>
           <a:xfrm>
-            <a:off x="3244798" y="2951123"/>
+            <a:off x="2710031" y="2951123"/>
             <a:ext cx="857217" cy="952947"/>
           </a:xfrm>
           <a:prstGeom prst="rect">
@@ -10666,7 +10698,7 @@
         </p:blipFill>
         <p:spPr>
           <a:xfrm>
-            <a:off x="8533683" y="2990954"/>
+            <a:off x="7285552" y="2990954"/>
             <a:ext cx="1181133" cy="873284"/>
           </a:xfrm>
           <a:prstGeom prst="rect">
@@ -10696,7 +10728,7 @@
         </p:blipFill>
         <p:spPr>
           <a:xfrm>
-            <a:off x="7181721" y="2914962"/>
+            <a:off x="6111931" y="2914962"/>
             <a:ext cx="1025268" cy="1025268"/>
           </a:xfrm>
           <a:prstGeom prst="rect">
@@ -10785,7 +10817,7 @@
         </p:blipFill>
         <p:spPr>
           <a:xfrm>
-            <a:off x="5556121" y="2969770"/>
+            <a:off x="4664672" y="2969770"/>
             <a:ext cx="1298906" cy="915653"/>
           </a:xfrm>
           <a:prstGeom prst="rect">
@@ -10823,30 +10855,6 @@
           </a:prstGeom>
         </p:spPr>
       </p:pic>
-      <p:pic>
-        <p:nvPicPr>
-          <p:cNvPr id="39" name="Picture 38"/>
-          <p:cNvPicPr>
-            <a:picLocks noChangeAspect="1"/>
-          </p:cNvPicPr>
-          <p:nvPr/>
-        </p:nvPicPr>
-        <p:blipFill>
-          <a:blip r:embed="rId16"/>
-          <a:stretch>
-            <a:fillRect/>
-          </a:stretch>
-        </p:blipFill>
-        <p:spPr>
-          <a:xfrm>
-            <a:off x="501599" y="3203108"/>
-            <a:ext cx="1276037" cy="448976"/>
-          </a:xfrm>
-          <a:prstGeom prst="rect">
-            <a:avLst/>
-          </a:prstGeom>
-        </p:spPr>
-      </p:pic>
       <p:sp>
         <p:nvSpPr>
           <p:cNvPr id="40" name="TextBox 39"/>
@@ -10855,8 +10863,8 @@
         </p:nvSpPr>
         <p:spPr>
           <a:xfrm>
-            <a:off x="4346633" y="1452614"/>
-            <a:ext cx="3241963" cy="400110"/>
+            <a:off x="4346633" y="1415290"/>
+            <a:ext cx="3241963" cy="430887"/>
           </a:xfrm>
           <a:prstGeom prst="rect">
             <a:avLst/>
@@ -10871,10 +10879,10 @@
           <a:p>
             <a:pPr algn="ctr"/>
             <a:r>
-              <a:rPr lang="en-US" altLang="ko-KR" sz="2000" b="1" dirty="0" smtClean="0"/>
-              <a:t>COLLABORATORS</a:t>
+              <a:rPr lang="en-US" altLang="ko-KR" sz="2200" b="1" dirty="0" smtClean="0"/>
+              <a:t>[ COLLABORATORS ]</a:t>
             </a:r>
-            <a:endParaRPr lang="ko-KR" altLang="en-US" sz="2000" b="1" dirty="0"/>
+            <a:endParaRPr lang="ko-KR" altLang="en-US" sz="2200" b="1" dirty="0"/>
           </a:p>
         </p:txBody>
       </p:sp>
@@ -10887,7 +10895,7 @@
           <p:nvPr/>
         </p:nvPicPr>
         <p:blipFill rotWithShape="1">
-          <a:blip r:embed="rId17">
+          <a:blip r:embed="rId16">
             <a:extLst>
               <a:ext uri="{28A0092B-C50C-407E-A947-70E740481C1C}">
                 <a14:useLocalDpi xmlns:a14="http://schemas.microsoft.com/office/drawing/2010/main" val="0"/>
@@ -10899,7 +10907,7 @@
         </p:blipFill>
         <p:spPr bwMode="auto">
           <a:xfrm>
-            <a:off x="10041510" y="3288173"/>
+            <a:off x="8615038" y="3288173"/>
             <a:ext cx="1519655" cy="278847"/>
           </a:xfrm>
           <a:prstGeom prst="rect">
@@ -10915,6 +10923,82 @@
               </a14:hiddenFill>
             </a:ext>
           </a:extLst>
+        </p:spPr>
+      </p:pic>
+      <p:pic>
+        <p:nvPicPr>
+          <p:cNvPr id="3" name="Picture 2" descr="DL이앤씨 CI"/>
+          <p:cNvPicPr>
+            <a:picLocks noChangeAspect="1" noChangeArrowheads="1"/>
+          </p:cNvPicPr>
+          <p:nvPr/>
+        </p:nvPicPr>
+        <p:blipFill>
+          <a:blip r:embed="rId17" cstate="print">
+            <a:extLst>
+              <a:ext uri="{28A0092B-C50C-407E-A947-70E740481C1C}">
+                <a14:useLocalDpi xmlns:a14="http://schemas.microsoft.com/office/drawing/2010/main" val="0"/>
+              </a:ext>
+            </a:extLst>
+          </a:blip>
+          <a:srcRect/>
+          <a:stretch>
+            <a:fillRect/>
+          </a:stretch>
+        </p:blipFill>
+        <p:spPr bwMode="auto">
+          <a:xfrm>
+            <a:off x="10283048" y="3267081"/>
+            <a:ext cx="1132048" cy="321029"/>
+          </a:xfrm>
+          <a:prstGeom prst="rect">
+            <a:avLst/>
+          </a:prstGeom>
+          <a:noFill/>
+          <a:extLst>
+            <a:ext uri="{909E8E84-426E-40DD-AFC4-6F175D3DCCD1}">
+              <a14:hiddenFill xmlns:a14="http://schemas.microsoft.com/office/drawing/2010/main">
+                <a:solidFill>
+                  <a:srgbClr val="FFFFFF"/>
+                </a:solidFill>
+              </a14:hiddenFill>
+            </a:ext>
+          </a:extLst>
+        </p:spPr>
+      </p:pic>
+      <p:pic>
+        <p:nvPicPr>
+          <p:cNvPr id="39" name="Picture 38"/>
+          <p:cNvPicPr>
+            <a:picLocks noChangeAspect="1"/>
+          </p:cNvPicPr>
+          <p:nvPr/>
+        </p:nvPicPr>
+        <p:blipFill>
+          <a:blip r:embed="rId18">
+            <a:clrChange>
+              <a:clrFrom>
+                <a:srgbClr val="FFFFFF"/>
+              </a:clrFrom>
+              <a:clrTo>
+                <a:srgbClr val="FFFFFF">
+                  <a:alpha val="0"/>
+                </a:srgbClr>
+              </a:clrTo>
+            </a:clrChange>
+          </a:blip>
+          <a:stretch>
+            <a:fillRect/>
+          </a:stretch>
+        </p:blipFill>
+        <p:spPr>
+          <a:xfrm>
+            <a:off x="489531" y="3232314"/>
+            <a:ext cx="1110020" cy="390562"/>
+          </a:xfrm>
+          <a:prstGeom prst="rect">
+            <a:avLst/>
+          </a:prstGeom>
         </p:spPr>
       </p:pic>
     </p:spTree>
@@ -10938,6 +11022,1240 @@
 </file>
 
 <file path=ppt/slides/slide3.xml><?xml version="1.0" encoding="utf-8"?>
+<p:sld xmlns:a="http://schemas.openxmlformats.org/drawingml/2006/main" xmlns:r="http://schemas.openxmlformats.org/officeDocument/2006/relationships" xmlns:p="http://schemas.openxmlformats.org/presentationml/2006/main">
+  <p:cSld>
+    <p:spTree>
+      <p:nvGrpSpPr>
+        <p:cNvPr id="1" name=""/>
+        <p:cNvGrpSpPr/>
+        <p:nvPr/>
+      </p:nvGrpSpPr>
+      <p:grpSpPr>
+        <a:xfrm>
+          <a:off x="0" y="0"/>
+          <a:ext cx="0" cy="0"/>
+          <a:chOff x="0" y="0"/>
+          <a:chExt cx="0" cy="0"/>
+        </a:xfrm>
+      </p:grpSpPr>
+      <p:sp>
+        <p:nvSpPr>
+          <p:cNvPr id="24" name="Rectangle 23"/>
+          <p:cNvSpPr/>
+          <p:nvPr/>
+        </p:nvSpPr>
+        <p:spPr>
+          <a:xfrm>
+            <a:off x="314960" y="1303025"/>
+            <a:ext cx="11277600" cy="2787190"/>
+          </a:xfrm>
+          <a:prstGeom prst="rect">
+            <a:avLst/>
+          </a:prstGeom>
+          <a:noFill/>
+          <a:ln>
+            <a:solidFill>
+              <a:schemeClr val="bg1">
+                <a:lumMod val="50000"/>
+              </a:schemeClr>
+            </a:solidFill>
+          </a:ln>
+        </p:spPr>
+        <p:style>
+          <a:lnRef idx="2">
+            <a:schemeClr val="accent1">
+              <a:shade val="50000"/>
+            </a:schemeClr>
+          </a:lnRef>
+          <a:fillRef idx="1">
+            <a:schemeClr val="accent1"/>
+          </a:fillRef>
+          <a:effectRef idx="0">
+            <a:schemeClr val="accent1"/>
+          </a:effectRef>
+          <a:fontRef idx="minor">
+            <a:schemeClr val="lt1"/>
+          </a:fontRef>
+        </p:style>
+        <p:txBody>
+          <a:bodyPr rtlCol="0" anchor="ctr"/>
+          <a:lstStyle/>
+          <a:p>
+            <a:pPr marL="0" marR="0" lvl="0" indent="0" algn="ctr" defTabSz="914400" rtl="0" eaLnBrk="1" fontAlgn="auto" latinLnBrk="0" hangingPunct="1">
+              <a:lnSpc>
+                <a:spcPct val="100000"/>
+              </a:lnSpc>
+              <a:spcBef>
+                <a:spcPts val="0"/>
+              </a:spcBef>
+              <a:spcAft>
+                <a:spcPts val="0"/>
+              </a:spcAft>
+              <a:buClrTx/>
+              <a:buSzTx/>
+              <a:buFontTx/>
+              <a:buNone/>
+              <a:tabLst/>
+              <a:defRPr/>
+            </a:pPr>
+            <a:endParaRPr kumimoji="0" lang="en-US" sz="1800" b="0" i="0" u="none" strike="noStrike" kern="1200" cap="none" spc="0" normalizeH="0" baseline="0" noProof="0">
+              <a:ln>
+                <a:noFill/>
+              </a:ln>
+              <a:solidFill>
+                <a:prstClr val="white"/>
+              </a:solidFill>
+              <a:effectLst/>
+              <a:uLnTx/>
+              <a:uFillTx/>
+              <a:latin typeface="Calibri" panose="020F0502020204030204"/>
+              <a:ea typeface="+mn-ea"/>
+              <a:cs typeface="+mn-cs"/>
+            </a:endParaRPr>
+          </a:p>
+        </p:txBody>
+      </p:sp>
+      <p:pic>
+        <p:nvPicPr>
+          <p:cNvPr id="25" name="Picture 24"/>
+          <p:cNvPicPr>
+            <a:picLocks noChangeAspect="1"/>
+          </p:cNvPicPr>
+          <p:nvPr/>
+        </p:nvPicPr>
+        <p:blipFill>
+          <a:blip r:embed="rId2">
+            <a:extLst>
+              <a:ext uri="{28A0092B-C50C-407E-A947-70E740481C1C}">
+                <a14:useLocalDpi xmlns:a14="http://schemas.microsoft.com/office/drawing/2010/main" val="0"/>
+              </a:ext>
+            </a:extLst>
+          </a:blip>
+          <a:stretch>
+            <a:fillRect/>
+          </a:stretch>
+        </p:blipFill>
+        <p:spPr>
+          <a:xfrm>
+            <a:off x="1884584" y="1885677"/>
+            <a:ext cx="1206376" cy="929104"/>
+          </a:xfrm>
+          <a:prstGeom prst="rect">
+            <a:avLst/>
+          </a:prstGeom>
+        </p:spPr>
+      </p:pic>
+      <p:pic>
+        <p:nvPicPr>
+          <p:cNvPr id="26" name="Picture 25"/>
+          <p:cNvPicPr>
+            <a:picLocks noChangeAspect="1"/>
+          </p:cNvPicPr>
+          <p:nvPr/>
+        </p:nvPicPr>
+        <p:blipFill>
+          <a:blip r:embed="rId3">
+            <a:extLst>
+              <a:ext uri="{28A0092B-C50C-407E-A947-70E740481C1C}">
+                <a14:useLocalDpi xmlns:a14="http://schemas.microsoft.com/office/drawing/2010/main" val="0"/>
+              </a:ext>
+            </a:extLst>
+          </a:blip>
+          <a:stretch>
+            <a:fillRect/>
+          </a:stretch>
+        </p:blipFill>
+        <p:spPr>
+          <a:xfrm>
+            <a:off x="487466" y="1979834"/>
+            <a:ext cx="1114150" cy="740791"/>
+          </a:xfrm>
+          <a:prstGeom prst="rect">
+            <a:avLst/>
+          </a:prstGeom>
+        </p:spPr>
+      </p:pic>
+      <p:pic>
+        <p:nvPicPr>
+          <p:cNvPr id="27" name="Picture 26"/>
+          <p:cNvPicPr>
+            <a:picLocks noChangeAspect="1"/>
+          </p:cNvPicPr>
+          <p:nvPr/>
+        </p:nvPicPr>
+        <p:blipFill>
+          <a:blip r:embed="rId4">
+            <a:extLst>
+              <a:ext uri="{28A0092B-C50C-407E-A947-70E740481C1C}">
+                <a14:useLocalDpi xmlns:a14="http://schemas.microsoft.com/office/drawing/2010/main" val="0"/>
+              </a:ext>
+            </a:extLst>
+          </a:blip>
+          <a:stretch>
+            <a:fillRect/>
+          </a:stretch>
+        </p:blipFill>
+        <p:spPr>
+          <a:xfrm>
+            <a:off x="5119304" y="1955935"/>
+            <a:ext cx="903992" cy="788589"/>
+          </a:xfrm>
+          <a:prstGeom prst="rect">
+            <a:avLst/>
+          </a:prstGeom>
+        </p:spPr>
+      </p:pic>
+      <p:pic>
+        <p:nvPicPr>
+          <p:cNvPr id="28" name="Picture 27"/>
+          <p:cNvPicPr>
+            <a:picLocks noChangeAspect="1"/>
+          </p:cNvPicPr>
+          <p:nvPr/>
+        </p:nvPicPr>
+        <p:blipFill>
+          <a:blip r:embed="rId5">
+            <a:extLst>
+              <a:ext uri="{28A0092B-C50C-407E-A947-70E740481C1C}">
+                <a14:useLocalDpi xmlns:a14="http://schemas.microsoft.com/office/drawing/2010/main" val="0"/>
+              </a:ext>
+            </a:extLst>
+          </a:blip>
+          <a:stretch>
+            <a:fillRect/>
+          </a:stretch>
+        </p:blipFill>
+        <p:spPr>
+          <a:xfrm>
+            <a:off x="6306264" y="1916944"/>
+            <a:ext cx="915254" cy="866571"/>
+          </a:xfrm>
+          <a:prstGeom prst="rect">
+            <a:avLst/>
+          </a:prstGeom>
+        </p:spPr>
+      </p:pic>
+      <p:pic>
+        <p:nvPicPr>
+          <p:cNvPr id="29" name="Picture 28"/>
+          <p:cNvPicPr>
+            <a:picLocks noChangeAspect="1"/>
+          </p:cNvPicPr>
+          <p:nvPr/>
+        </p:nvPicPr>
+        <p:blipFill>
+          <a:blip r:embed="rId6">
+            <a:extLst>
+              <a:ext uri="{28A0092B-C50C-407E-A947-70E740481C1C}">
+                <a14:useLocalDpi xmlns:a14="http://schemas.microsoft.com/office/drawing/2010/main" val="0"/>
+              </a:ext>
+            </a:extLst>
+          </a:blip>
+          <a:stretch>
+            <a:fillRect/>
+          </a:stretch>
+        </p:blipFill>
+        <p:spPr>
+          <a:xfrm>
+            <a:off x="9022101" y="1880276"/>
+            <a:ext cx="997982" cy="939907"/>
+          </a:xfrm>
+          <a:prstGeom prst="rect">
+            <a:avLst/>
+          </a:prstGeom>
+        </p:spPr>
+      </p:pic>
+      <p:pic>
+        <p:nvPicPr>
+          <p:cNvPr id="30" name="Picture 29"/>
+          <p:cNvPicPr>
+            <a:picLocks noChangeAspect="1"/>
+          </p:cNvPicPr>
+          <p:nvPr/>
+        </p:nvPicPr>
+        <p:blipFill>
+          <a:blip r:embed="rId7">
+            <a:extLst>
+              <a:ext uri="{28A0092B-C50C-407E-A947-70E740481C1C}">
+                <a14:useLocalDpi xmlns:a14="http://schemas.microsoft.com/office/drawing/2010/main" val="0"/>
+              </a:ext>
+            </a:extLst>
+          </a:blip>
+          <a:stretch>
+            <a:fillRect/>
+          </a:stretch>
+        </p:blipFill>
+        <p:spPr>
+          <a:xfrm>
+            <a:off x="2921564" y="2931499"/>
+            <a:ext cx="800718" cy="992194"/>
+          </a:xfrm>
+          <a:prstGeom prst="rect">
+            <a:avLst/>
+          </a:prstGeom>
+        </p:spPr>
+      </p:pic>
+      <p:pic>
+        <p:nvPicPr>
+          <p:cNvPr id="31" name="Picture 30"/>
+          <p:cNvPicPr>
+            <a:picLocks noChangeAspect="1"/>
+          </p:cNvPicPr>
+          <p:nvPr/>
+        </p:nvPicPr>
+        <p:blipFill>
+          <a:blip r:embed="rId8">
+            <a:extLst>
+              <a:ext uri="{28A0092B-C50C-407E-A947-70E740481C1C}">
+                <a14:useLocalDpi xmlns:a14="http://schemas.microsoft.com/office/drawing/2010/main" val="0"/>
+              </a:ext>
+            </a:extLst>
+          </a:blip>
+          <a:stretch>
+            <a:fillRect/>
+          </a:stretch>
+        </p:blipFill>
+        <p:spPr>
+          <a:xfrm>
+            <a:off x="636251" y="3020709"/>
+            <a:ext cx="813774" cy="813774"/>
+          </a:xfrm>
+          <a:prstGeom prst="rect">
+            <a:avLst/>
+          </a:prstGeom>
+        </p:spPr>
+      </p:pic>
+      <p:pic>
+        <p:nvPicPr>
+          <p:cNvPr id="32" name="Picture 31"/>
+          <p:cNvPicPr>
+            <a:picLocks noChangeAspect="1"/>
+          </p:cNvPicPr>
+          <p:nvPr/>
+        </p:nvPicPr>
+        <p:blipFill>
+          <a:blip r:embed="rId9">
+            <a:extLst>
+              <a:ext uri="{28A0092B-C50C-407E-A947-70E740481C1C}">
+                <a14:useLocalDpi xmlns:a14="http://schemas.microsoft.com/office/drawing/2010/main" val="0"/>
+              </a:ext>
+            </a:extLst>
+          </a:blip>
+          <a:stretch>
+            <a:fillRect/>
+          </a:stretch>
+        </p:blipFill>
+        <p:spPr>
+          <a:xfrm>
+            <a:off x="1757186" y="2951123"/>
+            <a:ext cx="857217" cy="952947"/>
+          </a:xfrm>
+          <a:prstGeom prst="rect">
+            <a:avLst/>
+          </a:prstGeom>
+        </p:spPr>
+      </p:pic>
+      <p:pic>
+        <p:nvPicPr>
+          <p:cNvPr id="33" name="Picture 32"/>
+          <p:cNvPicPr>
+            <a:picLocks noChangeAspect="1"/>
+          </p:cNvPicPr>
+          <p:nvPr/>
+        </p:nvPicPr>
+        <p:blipFill>
+          <a:blip r:embed="rId10">
+            <a:extLst>
+              <a:ext uri="{28A0092B-C50C-407E-A947-70E740481C1C}">
+                <a14:useLocalDpi xmlns:a14="http://schemas.microsoft.com/office/drawing/2010/main" val="0"/>
+              </a:ext>
+            </a:extLst>
+          </a:blip>
+          <a:stretch>
+            <a:fillRect/>
+          </a:stretch>
+        </p:blipFill>
+        <p:spPr>
+          <a:xfrm>
+            <a:off x="6967939" y="2990954"/>
+            <a:ext cx="1181133" cy="873284"/>
+          </a:xfrm>
+          <a:prstGeom prst="rect">
+            <a:avLst/>
+          </a:prstGeom>
+        </p:spPr>
+      </p:pic>
+      <p:pic>
+        <p:nvPicPr>
+          <p:cNvPr id="34" name="Picture 33"/>
+          <p:cNvPicPr>
+            <a:picLocks noChangeAspect="1"/>
+          </p:cNvPicPr>
+          <p:nvPr/>
+        </p:nvPicPr>
+        <p:blipFill>
+          <a:blip r:embed="rId11">
+            <a:extLst>
+              <a:ext uri="{28A0092B-C50C-407E-A947-70E740481C1C}">
+                <a14:useLocalDpi xmlns:a14="http://schemas.microsoft.com/office/drawing/2010/main" val="0"/>
+              </a:ext>
+            </a:extLst>
+          </a:blip>
+          <a:stretch>
+            <a:fillRect/>
+          </a:stretch>
+        </p:blipFill>
+        <p:spPr>
+          <a:xfrm>
+            <a:off x="5635510" y="2914962"/>
+            <a:ext cx="1025268" cy="1025268"/>
+          </a:xfrm>
+          <a:prstGeom prst="rect">
+            <a:avLst/>
+          </a:prstGeom>
+        </p:spPr>
+      </p:pic>
+      <p:pic>
+        <p:nvPicPr>
+          <p:cNvPr id="35" name="Picture 34"/>
+          <p:cNvPicPr>
+            <a:picLocks noChangeAspect="1"/>
+          </p:cNvPicPr>
+          <p:nvPr/>
+        </p:nvPicPr>
+        <p:blipFill rotWithShape="1">
+          <a:blip r:embed="rId12" cstate="print">
+            <a:extLst>
+              <a:ext uri="{28A0092B-C50C-407E-A947-70E740481C1C}">
+                <a14:useLocalDpi xmlns:a14="http://schemas.microsoft.com/office/drawing/2010/main" val="0"/>
+              </a:ext>
+            </a:extLst>
+          </a:blip>
+          <a:srcRect l="8482" t="16428" r="6053" b="14256"/>
+          <a:stretch/>
+        </p:blipFill>
+        <p:spPr>
+          <a:xfrm>
+            <a:off x="7504486" y="1849566"/>
+            <a:ext cx="1234647" cy="1001327"/>
+          </a:xfrm>
+          <a:prstGeom prst="rect">
+            <a:avLst/>
+          </a:prstGeom>
+        </p:spPr>
+      </p:pic>
+      <p:pic>
+        <p:nvPicPr>
+          <p:cNvPr id="36" name="Picture 35"/>
+          <p:cNvPicPr>
+            <a:picLocks noChangeAspect="1"/>
+          </p:cNvPicPr>
+          <p:nvPr/>
+        </p:nvPicPr>
+        <p:blipFill>
+          <a:blip r:embed="rId13" cstate="print">
+            <a:extLst>
+              <a:ext uri="{28A0092B-C50C-407E-A947-70E740481C1C}">
+                <a14:useLocalDpi xmlns:a14="http://schemas.microsoft.com/office/drawing/2010/main" val="0"/>
+              </a:ext>
+            </a:extLst>
+          </a:blip>
+          <a:stretch>
+            <a:fillRect/>
+          </a:stretch>
+        </p:blipFill>
+        <p:spPr>
+          <a:xfrm>
+            <a:off x="3373928" y="1824575"/>
+            <a:ext cx="1462408" cy="1051309"/>
+          </a:xfrm>
+          <a:prstGeom prst="rect">
+            <a:avLst/>
+          </a:prstGeom>
+        </p:spPr>
+      </p:pic>
+      <p:pic>
+        <p:nvPicPr>
+          <p:cNvPr id="37" name="Picture 36"/>
+          <p:cNvPicPr>
+            <a:picLocks noChangeAspect="1"/>
+          </p:cNvPicPr>
+          <p:nvPr/>
+        </p:nvPicPr>
+        <p:blipFill>
+          <a:blip r:embed="rId14" cstate="print">
+            <a:extLst>
+              <a:ext uri="{28A0092B-C50C-407E-A947-70E740481C1C}">
+                <a14:useLocalDpi xmlns:a14="http://schemas.microsoft.com/office/drawing/2010/main" val="0"/>
+              </a:ext>
+            </a:extLst>
+          </a:blip>
+          <a:stretch>
+            <a:fillRect/>
+          </a:stretch>
+        </p:blipFill>
+        <p:spPr>
+          <a:xfrm>
+            <a:off x="4029443" y="2969770"/>
+            <a:ext cx="1298906" cy="915653"/>
+          </a:xfrm>
+          <a:prstGeom prst="rect">
+            <a:avLst/>
+          </a:prstGeom>
+        </p:spPr>
+      </p:pic>
+      <p:pic>
+        <p:nvPicPr>
+          <p:cNvPr id="38" name="Picture 37"/>
+          <p:cNvPicPr>
+            <a:picLocks noChangeAspect="1"/>
+          </p:cNvPicPr>
+          <p:nvPr/>
+        </p:nvPicPr>
+        <p:blipFill>
+          <a:blip r:embed="rId15" cstate="print">
+            <a:extLst>
+              <a:ext uri="{28A0092B-C50C-407E-A947-70E740481C1C}">
+                <a14:useLocalDpi xmlns:a14="http://schemas.microsoft.com/office/drawing/2010/main" val="0"/>
+              </a:ext>
+            </a:extLst>
+          </a:blip>
+          <a:stretch>
+            <a:fillRect/>
+          </a:stretch>
+        </p:blipFill>
+        <p:spPr>
+          <a:xfrm>
+            <a:off x="10303049" y="1967275"/>
+            <a:ext cx="1152545" cy="765909"/>
+          </a:xfrm>
+          <a:prstGeom prst="rect">
+            <a:avLst/>
+          </a:prstGeom>
+        </p:spPr>
+      </p:pic>
+      <p:sp>
+        <p:nvSpPr>
+          <p:cNvPr id="40" name="TextBox 39"/>
+          <p:cNvSpPr txBox="1"/>
+          <p:nvPr/>
+        </p:nvSpPr>
+        <p:spPr>
+          <a:xfrm>
+            <a:off x="4346633" y="1415290"/>
+            <a:ext cx="3241963" cy="430887"/>
+          </a:xfrm>
+          <a:prstGeom prst="rect">
+            <a:avLst/>
+          </a:prstGeom>
+          <a:noFill/>
+        </p:spPr>
+        <p:txBody>
+          <a:bodyPr wrap="square" rtlCol="0">
+            <a:spAutoFit/>
+          </a:bodyPr>
+          <a:lstStyle/>
+          <a:p>
+            <a:pPr algn="ctr"/>
+            <a:r>
+              <a:rPr lang="en-US" altLang="ko-KR" sz="2200" b="1" dirty="0" smtClean="0"/>
+              <a:t>[ COLLABORATORS ]</a:t>
+            </a:r>
+            <a:endParaRPr lang="ko-KR" altLang="en-US" sz="2200" b="1" dirty="0"/>
+          </a:p>
+        </p:txBody>
+      </p:sp>
+      <p:pic>
+        <p:nvPicPr>
+          <p:cNvPr id="1026" name="Picture 2" descr="https://www.medisurf.com/images/main/medalls_logo.gif"/>
+          <p:cNvPicPr>
+            <a:picLocks noChangeAspect="1" noChangeArrowheads="1"/>
+          </p:cNvPicPr>
+          <p:nvPr/>
+        </p:nvPicPr>
+        <p:blipFill rotWithShape="1">
+          <a:blip r:embed="rId16">
+            <a:extLst>
+              <a:ext uri="{28A0092B-C50C-407E-A947-70E740481C1C}">
+                <a14:useLocalDpi xmlns:a14="http://schemas.microsoft.com/office/drawing/2010/main" val="0"/>
+              </a:ext>
+            </a:extLst>
+          </a:blip>
+          <a:srcRect l="32397" b="36599"/>
+          <a:stretch/>
+        </p:blipFill>
+        <p:spPr bwMode="auto">
+          <a:xfrm>
+            <a:off x="8456233" y="3288173"/>
+            <a:ext cx="1519655" cy="278847"/>
+          </a:xfrm>
+          <a:prstGeom prst="rect">
+            <a:avLst/>
+          </a:prstGeom>
+          <a:noFill/>
+          <a:extLst>
+            <a:ext uri="{909E8E84-426E-40DD-AFC4-6F175D3DCCD1}">
+              <a14:hiddenFill xmlns:a14="http://schemas.microsoft.com/office/drawing/2010/main">
+                <a:solidFill>
+                  <a:srgbClr val="FFFFFF"/>
+                </a:solidFill>
+              </a14:hiddenFill>
+            </a:ext>
+          </a:extLst>
+        </p:spPr>
+      </p:pic>
+      <p:sp>
+        <p:nvSpPr>
+          <p:cNvPr id="20" name="Rectangle 19"/>
+          <p:cNvSpPr/>
+          <p:nvPr/>
+        </p:nvSpPr>
+        <p:spPr>
+          <a:xfrm>
+            <a:off x="314960" y="4487167"/>
+            <a:ext cx="11277600" cy="2787190"/>
+          </a:xfrm>
+          <a:prstGeom prst="rect">
+            <a:avLst/>
+          </a:prstGeom>
+          <a:noFill/>
+          <a:ln>
+            <a:solidFill>
+              <a:schemeClr val="bg1">
+                <a:lumMod val="50000"/>
+              </a:schemeClr>
+            </a:solidFill>
+          </a:ln>
+        </p:spPr>
+        <p:style>
+          <a:lnRef idx="2">
+            <a:schemeClr val="accent1">
+              <a:shade val="50000"/>
+            </a:schemeClr>
+          </a:lnRef>
+          <a:fillRef idx="1">
+            <a:schemeClr val="accent1"/>
+          </a:fillRef>
+          <a:effectRef idx="0">
+            <a:schemeClr val="accent1"/>
+          </a:effectRef>
+          <a:fontRef idx="minor">
+            <a:schemeClr val="lt1"/>
+          </a:fontRef>
+        </p:style>
+        <p:txBody>
+          <a:bodyPr rtlCol="0" anchor="ctr"/>
+          <a:lstStyle/>
+          <a:p>
+            <a:pPr marL="0" marR="0" lvl="0" indent="0" algn="ctr" defTabSz="914400" rtl="0" eaLnBrk="1" fontAlgn="auto" latinLnBrk="0" hangingPunct="1">
+              <a:lnSpc>
+                <a:spcPct val="100000"/>
+              </a:lnSpc>
+              <a:spcBef>
+                <a:spcPts val="0"/>
+              </a:spcBef>
+              <a:spcAft>
+                <a:spcPts val="0"/>
+              </a:spcAft>
+              <a:buClrTx/>
+              <a:buSzTx/>
+              <a:buFontTx/>
+              <a:buNone/>
+              <a:tabLst/>
+              <a:defRPr/>
+            </a:pPr>
+            <a:endParaRPr kumimoji="0" lang="en-US" sz="1800" b="0" i="0" u="none" strike="noStrike" kern="1200" cap="none" spc="0" normalizeH="0" baseline="0" noProof="0">
+              <a:ln>
+                <a:noFill/>
+              </a:ln>
+              <a:solidFill>
+                <a:prstClr val="white"/>
+              </a:solidFill>
+              <a:effectLst/>
+              <a:uLnTx/>
+              <a:uFillTx/>
+              <a:latin typeface="Calibri" panose="020F0502020204030204"/>
+              <a:ea typeface="+mn-ea"/>
+              <a:cs typeface="+mn-cs"/>
+            </a:endParaRPr>
+          </a:p>
+        </p:txBody>
+      </p:sp>
+      <p:pic>
+        <p:nvPicPr>
+          <p:cNvPr id="21" name="Picture 20"/>
+          <p:cNvPicPr>
+            <a:picLocks noChangeAspect="1"/>
+          </p:cNvPicPr>
+          <p:nvPr/>
+        </p:nvPicPr>
+        <p:blipFill>
+          <a:blip r:embed="rId2">
+            <a:extLst>
+              <a:ext uri="{28A0092B-C50C-407E-A947-70E740481C1C}">
+                <a14:useLocalDpi xmlns:a14="http://schemas.microsoft.com/office/drawing/2010/main" val="0"/>
+              </a:ext>
+            </a:extLst>
+          </a:blip>
+          <a:stretch>
+            <a:fillRect/>
+          </a:stretch>
+        </p:blipFill>
+        <p:spPr>
+          <a:xfrm>
+            <a:off x="1884584" y="5069819"/>
+            <a:ext cx="1206376" cy="929104"/>
+          </a:xfrm>
+          <a:prstGeom prst="rect">
+            <a:avLst/>
+          </a:prstGeom>
+        </p:spPr>
+      </p:pic>
+      <p:pic>
+        <p:nvPicPr>
+          <p:cNvPr id="22" name="Picture 21"/>
+          <p:cNvPicPr>
+            <a:picLocks noChangeAspect="1"/>
+          </p:cNvPicPr>
+          <p:nvPr/>
+        </p:nvPicPr>
+        <p:blipFill>
+          <a:blip r:embed="rId3">
+            <a:extLst>
+              <a:ext uri="{28A0092B-C50C-407E-A947-70E740481C1C}">
+                <a14:useLocalDpi xmlns:a14="http://schemas.microsoft.com/office/drawing/2010/main" val="0"/>
+              </a:ext>
+            </a:extLst>
+          </a:blip>
+          <a:stretch>
+            <a:fillRect/>
+          </a:stretch>
+        </p:blipFill>
+        <p:spPr>
+          <a:xfrm>
+            <a:off x="487466" y="5163976"/>
+            <a:ext cx="1114150" cy="740791"/>
+          </a:xfrm>
+          <a:prstGeom prst="rect">
+            <a:avLst/>
+          </a:prstGeom>
+        </p:spPr>
+      </p:pic>
+      <p:pic>
+        <p:nvPicPr>
+          <p:cNvPr id="23" name="Picture 22"/>
+          <p:cNvPicPr>
+            <a:picLocks noChangeAspect="1"/>
+          </p:cNvPicPr>
+          <p:nvPr/>
+        </p:nvPicPr>
+        <p:blipFill>
+          <a:blip r:embed="rId4">
+            <a:extLst>
+              <a:ext uri="{28A0092B-C50C-407E-A947-70E740481C1C}">
+                <a14:useLocalDpi xmlns:a14="http://schemas.microsoft.com/office/drawing/2010/main" val="0"/>
+              </a:ext>
+            </a:extLst>
+          </a:blip>
+          <a:stretch>
+            <a:fillRect/>
+          </a:stretch>
+        </p:blipFill>
+        <p:spPr>
+          <a:xfrm>
+            <a:off x="5119304" y="5140077"/>
+            <a:ext cx="903992" cy="788589"/>
+          </a:xfrm>
+          <a:prstGeom prst="rect">
+            <a:avLst/>
+          </a:prstGeom>
+        </p:spPr>
+      </p:pic>
+      <p:pic>
+        <p:nvPicPr>
+          <p:cNvPr id="41" name="Picture 40"/>
+          <p:cNvPicPr>
+            <a:picLocks noChangeAspect="1"/>
+          </p:cNvPicPr>
+          <p:nvPr/>
+        </p:nvPicPr>
+        <p:blipFill>
+          <a:blip r:embed="rId5">
+            <a:extLst>
+              <a:ext uri="{28A0092B-C50C-407E-A947-70E740481C1C}">
+                <a14:useLocalDpi xmlns:a14="http://schemas.microsoft.com/office/drawing/2010/main" val="0"/>
+              </a:ext>
+            </a:extLst>
+          </a:blip>
+          <a:stretch>
+            <a:fillRect/>
+          </a:stretch>
+        </p:blipFill>
+        <p:spPr>
+          <a:xfrm>
+            <a:off x="6306264" y="5101086"/>
+            <a:ext cx="915254" cy="866571"/>
+          </a:xfrm>
+          <a:prstGeom prst="rect">
+            <a:avLst/>
+          </a:prstGeom>
+        </p:spPr>
+      </p:pic>
+      <p:pic>
+        <p:nvPicPr>
+          <p:cNvPr id="42" name="Picture 41"/>
+          <p:cNvPicPr>
+            <a:picLocks noChangeAspect="1"/>
+          </p:cNvPicPr>
+          <p:nvPr/>
+        </p:nvPicPr>
+        <p:blipFill>
+          <a:blip r:embed="rId6">
+            <a:extLst>
+              <a:ext uri="{28A0092B-C50C-407E-A947-70E740481C1C}">
+                <a14:useLocalDpi xmlns:a14="http://schemas.microsoft.com/office/drawing/2010/main" val="0"/>
+              </a:ext>
+            </a:extLst>
+          </a:blip>
+          <a:stretch>
+            <a:fillRect/>
+          </a:stretch>
+        </p:blipFill>
+        <p:spPr>
+          <a:xfrm>
+            <a:off x="9022101" y="5064418"/>
+            <a:ext cx="997982" cy="939907"/>
+          </a:xfrm>
+          <a:prstGeom prst="rect">
+            <a:avLst/>
+          </a:prstGeom>
+        </p:spPr>
+      </p:pic>
+      <p:pic>
+        <p:nvPicPr>
+          <p:cNvPr id="43" name="Picture 42"/>
+          <p:cNvPicPr>
+            <a:picLocks noChangeAspect="1"/>
+          </p:cNvPicPr>
+          <p:nvPr/>
+        </p:nvPicPr>
+        <p:blipFill>
+          <a:blip r:embed="rId7">
+            <a:extLst>
+              <a:ext uri="{28A0092B-C50C-407E-A947-70E740481C1C}">
+                <a14:useLocalDpi xmlns:a14="http://schemas.microsoft.com/office/drawing/2010/main" val="0"/>
+              </a:ext>
+            </a:extLst>
+          </a:blip>
+          <a:stretch>
+            <a:fillRect/>
+          </a:stretch>
+        </p:blipFill>
+        <p:spPr>
+          <a:xfrm>
+            <a:off x="4428709" y="6115641"/>
+            <a:ext cx="800718" cy="992194"/>
+          </a:xfrm>
+          <a:prstGeom prst="rect">
+            <a:avLst/>
+          </a:prstGeom>
+        </p:spPr>
+      </p:pic>
+      <p:pic>
+        <p:nvPicPr>
+          <p:cNvPr id="44" name="Picture 43"/>
+          <p:cNvPicPr>
+            <a:picLocks noChangeAspect="1"/>
+          </p:cNvPicPr>
+          <p:nvPr/>
+        </p:nvPicPr>
+        <p:blipFill>
+          <a:blip r:embed="rId8">
+            <a:extLst>
+              <a:ext uri="{28A0092B-C50C-407E-A947-70E740481C1C}">
+                <a14:useLocalDpi xmlns:a14="http://schemas.microsoft.com/office/drawing/2010/main" val="0"/>
+              </a:ext>
+            </a:extLst>
+          </a:blip>
+          <a:stretch>
+            <a:fillRect/>
+          </a:stretch>
+        </p:blipFill>
+        <p:spPr>
+          <a:xfrm>
+            <a:off x="2104330" y="6204851"/>
+            <a:ext cx="813774" cy="813774"/>
+          </a:xfrm>
+          <a:prstGeom prst="rect">
+            <a:avLst/>
+          </a:prstGeom>
+        </p:spPr>
+      </p:pic>
+      <p:pic>
+        <p:nvPicPr>
+          <p:cNvPr id="45" name="Picture 44"/>
+          <p:cNvPicPr>
+            <a:picLocks noChangeAspect="1"/>
+          </p:cNvPicPr>
+          <p:nvPr/>
+        </p:nvPicPr>
+        <p:blipFill>
+          <a:blip r:embed="rId9">
+            <a:extLst>
+              <a:ext uri="{28A0092B-C50C-407E-A947-70E740481C1C}">
+                <a14:useLocalDpi xmlns:a14="http://schemas.microsoft.com/office/drawing/2010/main" val="0"/>
+              </a:ext>
+            </a:extLst>
+          </a:blip>
+          <a:stretch>
+            <a:fillRect/>
+          </a:stretch>
+        </p:blipFill>
+        <p:spPr>
+          <a:xfrm>
+            <a:off x="3244798" y="6135265"/>
+            <a:ext cx="857217" cy="952947"/>
+          </a:xfrm>
+          <a:prstGeom prst="rect">
+            <a:avLst/>
+          </a:prstGeom>
+        </p:spPr>
+      </p:pic>
+      <p:pic>
+        <p:nvPicPr>
+          <p:cNvPr id="46" name="Picture 45"/>
+          <p:cNvPicPr>
+            <a:picLocks noChangeAspect="1"/>
+          </p:cNvPicPr>
+          <p:nvPr/>
+        </p:nvPicPr>
+        <p:blipFill>
+          <a:blip r:embed="rId10">
+            <a:extLst>
+              <a:ext uri="{28A0092B-C50C-407E-A947-70E740481C1C}">
+                <a14:useLocalDpi xmlns:a14="http://schemas.microsoft.com/office/drawing/2010/main" val="0"/>
+              </a:ext>
+            </a:extLst>
+          </a:blip>
+          <a:stretch>
+            <a:fillRect/>
+          </a:stretch>
+        </p:blipFill>
+        <p:spPr>
+          <a:xfrm>
+            <a:off x="8533683" y="6175096"/>
+            <a:ext cx="1181133" cy="873284"/>
+          </a:xfrm>
+          <a:prstGeom prst="rect">
+            <a:avLst/>
+          </a:prstGeom>
+        </p:spPr>
+      </p:pic>
+      <p:pic>
+        <p:nvPicPr>
+          <p:cNvPr id="47" name="Picture 46"/>
+          <p:cNvPicPr>
+            <a:picLocks noChangeAspect="1"/>
+          </p:cNvPicPr>
+          <p:nvPr/>
+        </p:nvPicPr>
+        <p:blipFill>
+          <a:blip r:embed="rId11">
+            <a:extLst>
+              <a:ext uri="{28A0092B-C50C-407E-A947-70E740481C1C}">
+                <a14:useLocalDpi xmlns:a14="http://schemas.microsoft.com/office/drawing/2010/main" val="0"/>
+              </a:ext>
+            </a:extLst>
+          </a:blip>
+          <a:stretch>
+            <a:fillRect/>
+          </a:stretch>
+        </p:blipFill>
+        <p:spPr>
+          <a:xfrm>
+            <a:off x="7181721" y="6099104"/>
+            <a:ext cx="1025268" cy="1025268"/>
+          </a:xfrm>
+          <a:prstGeom prst="rect">
+            <a:avLst/>
+          </a:prstGeom>
+        </p:spPr>
+      </p:pic>
+      <p:pic>
+        <p:nvPicPr>
+          <p:cNvPr id="48" name="Picture 47"/>
+          <p:cNvPicPr>
+            <a:picLocks noChangeAspect="1"/>
+          </p:cNvPicPr>
+          <p:nvPr/>
+        </p:nvPicPr>
+        <p:blipFill rotWithShape="1">
+          <a:blip r:embed="rId12" cstate="print">
+            <a:extLst>
+              <a:ext uri="{28A0092B-C50C-407E-A947-70E740481C1C}">
+                <a14:useLocalDpi xmlns:a14="http://schemas.microsoft.com/office/drawing/2010/main" val="0"/>
+              </a:ext>
+            </a:extLst>
+          </a:blip>
+          <a:srcRect l="8482" t="16428" r="6053" b="14256"/>
+          <a:stretch/>
+        </p:blipFill>
+        <p:spPr>
+          <a:xfrm>
+            <a:off x="7504486" y="5033708"/>
+            <a:ext cx="1234647" cy="1001327"/>
+          </a:xfrm>
+          <a:prstGeom prst="rect">
+            <a:avLst/>
+          </a:prstGeom>
+        </p:spPr>
+      </p:pic>
+      <p:pic>
+        <p:nvPicPr>
+          <p:cNvPr id="49" name="Picture 48"/>
+          <p:cNvPicPr>
+            <a:picLocks noChangeAspect="1"/>
+          </p:cNvPicPr>
+          <p:nvPr/>
+        </p:nvPicPr>
+        <p:blipFill>
+          <a:blip r:embed="rId13" cstate="print">
+            <a:extLst>
+              <a:ext uri="{28A0092B-C50C-407E-A947-70E740481C1C}">
+                <a14:useLocalDpi xmlns:a14="http://schemas.microsoft.com/office/drawing/2010/main" val="0"/>
+              </a:ext>
+            </a:extLst>
+          </a:blip>
+          <a:stretch>
+            <a:fillRect/>
+          </a:stretch>
+        </p:blipFill>
+        <p:spPr>
+          <a:xfrm>
+            <a:off x="3373928" y="5008717"/>
+            <a:ext cx="1462408" cy="1051309"/>
+          </a:xfrm>
+          <a:prstGeom prst="rect">
+            <a:avLst/>
+          </a:prstGeom>
+        </p:spPr>
+      </p:pic>
+      <p:pic>
+        <p:nvPicPr>
+          <p:cNvPr id="50" name="Picture 49"/>
+          <p:cNvPicPr>
+            <a:picLocks noChangeAspect="1"/>
+          </p:cNvPicPr>
+          <p:nvPr/>
+        </p:nvPicPr>
+        <p:blipFill>
+          <a:blip r:embed="rId14" cstate="print">
+            <a:extLst>
+              <a:ext uri="{28A0092B-C50C-407E-A947-70E740481C1C}">
+                <a14:useLocalDpi xmlns:a14="http://schemas.microsoft.com/office/drawing/2010/main" val="0"/>
+              </a:ext>
+            </a:extLst>
+          </a:blip>
+          <a:stretch>
+            <a:fillRect/>
+          </a:stretch>
+        </p:blipFill>
+        <p:spPr>
+          <a:xfrm>
+            <a:off x="5556121" y="6153912"/>
+            <a:ext cx="1298906" cy="915653"/>
+          </a:xfrm>
+          <a:prstGeom prst="rect">
+            <a:avLst/>
+          </a:prstGeom>
+        </p:spPr>
+      </p:pic>
+      <p:pic>
+        <p:nvPicPr>
+          <p:cNvPr id="51" name="Picture 50"/>
+          <p:cNvPicPr>
+            <a:picLocks noChangeAspect="1"/>
+          </p:cNvPicPr>
+          <p:nvPr/>
+        </p:nvPicPr>
+        <p:blipFill>
+          <a:blip r:embed="rId15" cstate="print">
+            <a:extLst>
+              <a:ext uri="{28A0092B-C50C-407E-A947-70E740481C1C}">
+                <a14:useLocalDpi xmlns:a14="http://schemas.microsoft.com/office/drawing/2010/main" val="0"/>
+              </a:ext>
+            </a:extLst>
+          </a:blip>
+          <a:stretch>
+            <a:fillRect/>
+          </a:stretch>
+        </p:blipFill>
+        <p:spPr>
+          <a:xfrm>
+            <a:off x="10303049" y="5151417"/>
+            <a:ext cx="1152545" cy="765909"/>
+          </a:xfrm>
+          <a:prstGeom prst="rect">
+            <a:avLst/>
+          </a:prstGeom>
+        </p:spPr>
+      </p:pic>
+      <p:pic>
+        <p:nvPicPr>
+          <p:cNvPr id="52" name="Picture 51"/>
+          <p:cNvPicPr>
+            <a:picLocks noChangeAspect="1"/>
+          </p:cNvPicPr>
+          <p:nvPr/>
+        </p:nvPicPr>
+        <p:blipFill>
+          <a:blip r:embed="rId17"/>
+          <a:stretch>
+            <a:fillRect/>
+          </a:stretch>
+        </p:blipFill>
+        <p:spPr>
+          <a:xfrm>
+            <a:off x="501599" y="6387250"/>
+            <a:ext cx="1276037" cy="448976"/>
+          </a:xfrm>
+          <a:prstGeom prst="rect">
+            <a:avLst/>
+          </a:prstGeom>
+        </p:spPr>
+      </p:pic>
+      <p:sp>
+        <p:nvSpPr>
+          <p:cNvPr id="53" name="TextBox 52"/>
+          <p:cNvSpPr txBox="1"/>
+          <p:nvPr/>
+        </p:nvSpPr>
+        <p:spPr>
+          <a:xfrm>
+            <a:off x="4346633" y="4636756"/>
+            <a:ext cx="3241963" cy="400110"/>
+          </a:xfrm>
+          <a:prstGeom prst="rect">
+            <a:avLst/>
+          </a:prstGeom>
+          <a:noFill/>
+        </p:spPr>
+        <p:txBody>
+          <a:bodyPr wrap="square" rtlCol="0">
+            <a:spAutoFit/>
+          </a:bodyPr>
+          <a:lstStyle/>
+          <a:p>
+            <a:pPr algn="ctr"/>
+            <a:r>
+              <a:rPr lang="en-US" altLang="ko-KR" sz="2000" b="1" dirty="0" smtClean="0"/>
+              <a:t>COLLABORATORS</a:t>
+            </a:r>
+            <a:endParaRPr lang="ko-KR" altLang="en-US" sz="2000" b="1" dirty="0"/>
+          </a:p>
+        </p:txBody>
+      </p:sp>
+      <p:pic>
+        <p:nvPicPr>
+          <p:cNvPr id="54" name="Picture 2" descr="https://www.medisurf.com/images/main/medalls_logo.gif"/>
+          <p:cNvPicPr>
+            <a:picLocks noChangeAspect="1" noChangeArrowheads="1"/>
+          </p:cNvPicPr>
+          <p:nvPr/>
+        </p:nvPicPr>
+        <p:blipFill rotWithShape="1">
+          <a:blip r:embed="rId16">
+            <a:extLst>
+              <a:ext uri="{28A0092B-C50C-407E-A947-70E740481C1C}">
+                <a14:useLocalDpi xmlns:a14="http://schemas.microsoft.com/office/drawing/2010/main" val="0"/>
+              </a:ext>
+            </a:extLst>
+          </a:blip>
+          <a:srcRect l="32397" b="36599"/>
+          <a:stretch/>
+        </p:blipFill>
+        <p:spPr bwMode="auto">
+          <a:xfrm>
+            <a:off x="10041510" y="6472315"/>
+            <a:ext cx="1519655" cy="278847"/>
+          </a:xfrm>
+          <a:prstGeom prst="rect">
+            <a:avLst/>
+          </a:prstGeom>
+          <a:noFill/>
+          <a:extLst>
+            <a:ext uri="{909E8E84-426E-40DD-AFC4-6F175D3DCCD1}">
+              <a14:hiddenFill xmlns:a14="http://schemas.microsoft.com/office/drawing/2010/main">
+                <a:solidFill>
+                  <a:srgbClr val="FFFFFF"/>
+                </a:solidFill>
+              </a14:hiddenFill>
+            </a:ext>
+          </a:extLst>
+        </p:spPr>
+      </p:pic>
+      <p:pic>
+        <p:nvPicPr>
+          <p:cNvPr id="3" name="Picture 2" descr="DL이앤씨 CI"/>
+          <p:cNvPicPr>
+            <a:picLocks noChangeAspect="1" noChangeArrowheads="1"/>
+          </p:cNvPicPr>
+          <p:nvPr/>
+        </p:nvPicPr>
+        <p:blipFill>
+          <a:blip r:embed="rId18" cstate="print">
+            <a:extLst>
+              <a:ext uri="{28A0092B-C50C-407E-A947-70E740481C1C}">
+                <a14:useLocalDpi xmlns:a14="http://schemas.microsoft.com/office/drawing/2010/main" val="0"/>
+              </a:ext>
+            </a:extLst>
+          </a:blip>
+          <a:srcRect/>
+          <a:stretch>
+            <a:fillRect/>
+          </a:stretch>
+        </p:blipFill>
+        <p:spPr bwMode="auto">
+          <a:xfrm>
+            <a:off x="10283048" y="3267081"/>
+            <a:ext cx="1132048" cy="321029"/>
+          </a:xfrm>
+          <a:prstGeom prst="rect">
+            <a:avLst/>
+          </a:prstGeom>
+          <a:noFill/>
+          <a:extLst>
+            <a:ext uri="{909E8E84-426E-40DD-AFC4-6F175D3DCCD1}">
+              <a14:hiddenFill xmlns:a14="http://schemas.microsoft.com/office/drawing/2010/main">
+                <a:solidFill>
+                  <a:srgbClr val="FFFFFF"/>
+                </a:solidFill>
+              </a14:hiddenFill>
+            </a:ext>
+          </a:extLst>
+        </p:spPr>
+      </p:pic>
+    </p:spTree>
+    <p:extLst>
+      <p:ext uri="{BB962C8B-B14F-4D97-AF65-F5344CB8AC3E}">
+        <p14:creationId xmlns:p14="http://schemas.microsoft.com/office/powerpoint/2010/main" val="2079183472"/>
+      </p:ext>
+    </p:extLst>
+  </p:cSld>
+  <p:clrMapOvr>
+    <a:masterClrMapping/>
+  </p:clrMapOvr>
+  <p:timing>
+    <p:tnLst>
+      <p:par>
+        <p:cTn id="1" dur="indefinite" restart="never" nodeType="tmRoot"/>
+      </p:par>
+    </p:tnLst>
+  </p:timing>
+</p:sld>
+</file>
+
+<file path=ppt/slides/slide4.xml><?xml version="1.0" encoding="utf-8"?>
 <p:sld xmlns:a="http://schemas.openxmlformats.org/drawingml/2006/main" xmlns:r="http://schemas.openxmlformats.org/officeDocument/2006/relationships" xmlns:p="http://schemas.openxmlformats.org/presentationml/2006/main">
   <p:cSld>
     <p:spTree>
